--- a/doc/Möbius Furniturus.pptx
+++ b/doc/Möbius Furniturus.pptx
@@ -6,8 +6,11 @@
   </p:sldMasterIdLst>
   <p:sldIdLst>
     <p:sldId id="256" r:id="rId2"/>
-    <p:sldId id="257" r:id="rId3"/>
-    <p:sldId id="258" r:id="rId4"/>
+    <p:sldId id="259" r:id="rId3"/>
+    <p:sldId id="260" r:id="rId4"/>
+    <p:sldId id="261" r:id="rId5"/>
+    <p:sldId id="262" r:id="rId6"/>
+    <p:sldId id="258" r:id="rId7"/>
   </p:sldIdLst>
   <p:sldSz cx="12192000" cy="6858000"/>
   <p:notesSz cx="6858000" cy="9144000"/>
@@ -106,6 +109,11 @@
       </a:defRPr>
     </a:lvl9pPr>
   </p:defaultTextStyle>
+  <p:extLst>
+    <p:ext uri="{EFAFB233-063F-42B5-8137-9DF3F51BA10A}">
+      <p15:sldGuideLst xmlns:p15="http://schemas.microsoft.com/office/powerpoint/2012/main"/>
+    </p:ext>
+  </p:extLst>
 </p:presentation>
 </file>
 
@@ -334,7 +342,7 @@
             <a:fld id="{5586B75A-687E-405C-8A0B-8D00578BA2C3}" type="datetimeFigureOut">
               <a:rPr lang="en-US" dirty="0"/>
               <a:pPr/>
-              <a:t>1/13/2014</a:t>
+              <a:t>1/14/2014</a:t>
             </a:fld>
             <a:endParaRPr lang="en-US" dirty="0"/>
           </a:p>
@@ -501,7 +509,7 @@
             <a:fld id="{5586B75A-687E-405C-8A0B-8D00578BA2C3}" type="datetimeFigureOut">
               <a:rPr lang="en-US" dirty="0"/>
               <a:pPr/>
-              <a:t>1/13/2014</a:t>
+              <a:t>1/14/2014</a:t>
             </a:fld>
             <a:endParaRPr lang="en-US" dirty="0"/>
           </a:p>
@@ -678,7 +686,7 @@
             <a:fld id="{5586B75A-687E-405C-8A0B-8D00578BA2C3}" type="datetimeFigureOut">
               <a:rPr lang="en-US" dirty="0"/>
               <a:pPr/>
-              <a:t>1/13/2014</a:t>
+              <a:t>1/14/2014</a:t>
             </a:fld>
             <a:endParaRPr lang="en-US" dirty="0"/>
           </a:p>
@@ -845,7 +853,7 @@
             <a:fld id="{5586B75A-687E-405C-8A0B-8D00578BA2C3}" type="datetimeFigureOut">
               <a:rPr lang="en-US" dirty="0"/>
               <a:pPr/>
-              <a:t>1/13/2014</a:t>
+              <a:t>1/14/2014</a:t>
             </a:fld>
             <a:endParaRPr lang="en-US" dirty="0"/>
           </a:p>
@@ -1100,7 +1108,7 @@
             <a:fld id="{5586B75A-687E-405C-8A0B-8D00578BA2C3}" type="datetimeFigureOut">
               <a:rPr lang="en-US" dirty="0"/>
               <a:pPr/>
-              <a:t>1/13/2014</a:t>
+              <a:t>1/14/2014</a:t>
             </a:fld>
             <a:endParaRPr lang="en-US" dirty="0"/>
           </a:p>
@@ -1385,7 +1393,7 @@
             <a:fld id="{5586B75A-687E-405C-8A0B-8D00578BA2C3}" type="datetimeFigureOut">
               <a:rPr lang="en-US" dirty="0"/>
               <a:pPr/>
-              <a:t>1/13/2014</a:t>
+              <a:t>1/14/2014</a:t>
             </a:fld>
             <a:endParaRPr lang="en-US" dirty="0"/>
           </a:p>
@@ -1824,7 +1832,7 @@
             <a:fld id="{5586B75A-687E-405C-8A0B-8D00578BA2C3}" type="datetimeFigureOut">
               <a:rPr lang="en-US" dirty="0"/>
               <a:pPr/>
-              <a:t>1/13/2014</a:t>
+              <a:t>1/14/2014</a:t>
             </a:fld>
             <a:endParaRPr lang="en-US" dirty="0"/>
           </a:p>
@@ -1939,7 +1947,7 @@
             <a:fld id="{5586B75A-687E-405C-8A0B-8D00578BA2C3}" type="datetimeFigureOut">
               <a:rPr lang="en-US" dirty="0"/>
               <a:pPr/>
-              <a:t>1/13/2014</a:t>
+              <a:t>1/14/2014</a:t>
             </a:fld>
             <a:endParaRPr lang="en-US" dirty="0"/>
           </a:p>
@@ -2031,7 +2039,7 @@
             <a:fld id="{5586B75A-687E-405C-8A0B-8D00578BA2C3}" type="datetimeFigureOut">
               <a:rPr lang="en-US" dirty="0"/>
               <a:pPr/>
-              <a:t>1/13/2014</a:t>
+              <a:t>1/14/2014</a:t>
             </a:fld>
             <a:endParaRPr lang="en-US" dirty="0"/>
           </a:p>
@@ -2316,7 +2324,7 @@
             <a:fld id="{5586B75A-687E-405C-8A0B-8D00578BA2C3}" type="datetimeFigureOut">
               <a:rPr lang="en-US" dirty="0"/>
               <a:pPr/>
-              <a:t>1/13/2014</a:t>
+              <a:t>1/14/2014</a:t>
             </a:fld>
             <a:endParaRPr lang="en-US" dirty="0"/>
           </a:p>
@@ -2586,7 +2594,7 @@
             <a:fld id="{5586B75A-687E-405C-8A0B-8D00578BA2C3}" type="datetimeFigureOut">
               <a:rPr lang="en-US" dirty="0"/>
               <a:pPr/>
-              <a:t>1/13/2014</a:t>
+              <a:t>1/14/2014</a:t>
             </a:fld>
             <a:endParaRPr lang="en-US" dirty="0"/>
           </a:p>
@@ -2880,7 +2888,7 @@
             <a:fld id="{5586B75A-687E-405C-8A0B-8D00578BA2C3}" type="datetimeFigureOut">
               <a:rPr lang="en-US" dirty="0"/>
               <a:pPr/>
-              <a:t>1/13/2014</a:t>
+              <a:t>1/14/2014</a:t>
             </a:fld>
             <a:endParaRPr lang="en-US" dirty="0"/>
           </a:p>
@@ -3472,7 +3480,7 @@
           <a:p>
             <a:r>
               <a:rPr lang="de-CH" dirty="0" err="1" smtClean="0"/>
-              <a:t>About</a:t>
+              <a:t>technologies</a:t>
             </a:r>
             <a:endParaRPr lang="de-CH" dirty="0"/>
           </a:p>
@@ -3493,36 +3501,42 @@
           <a:bodyPr/>
           <a:lstStyle/>
           <a:p>
-            <a:r>
-              <a:rPr lang="de-CH" dirty="0" smtClean="0"/>
-              <a:t>Möbelshop</a:t>
-            </a:r>
-          </a:p>
-          <a:p>
-            <a:r>
-              <a:rPr lang="de-CH" dirty="0" smtClean="0"/>
-              <a:t>MVC Pattern</a:t>
-            </a:r>
-          </a:p>
-          <a:p>
-            <a:r>
-              <a:rPr lang="de-CH" dirty="0" smtClean="0"/>
-              <a:t>Template Engine</a:t>
-            </a:r>
-          </a:p>
-          <a:p>
-            <a:r>
-              <a:rPr lang="de-CH" dirty="0" err="1" smtClean="0"/>
-              <a:t>Responsive</a:t>
-            </a:r>
-            <a:r>
-              <a:rPr lang="de-CH" dirty="0" smtClean="0"/>
-              <a:t> Design, </a:t>
-            </a:r>
             <a:r>
               <a:rPr lang="de-CH" dirty="0" err="1" smtClean="0"/>
               <a:t>Foundation</a:t>
             </a:r>
+            <a:r>
+              <a:rPr lang="de-CH" dirty="0" smtClean="0"/>
+              <a:t> 4</a:t>
+            </a:r>
+          </a:p>
+          <a:p>
+            <a:r>
+              <a:rPr lang="de-CH" dirty="0" err="1" smtClean="0"/>
+              <a:t>JQuery</a:t>
+            </a:r>
+            <a:endParaRPr lang="de-CH" dirty="0" smtClean="0"/>
+          </a:p>
+          <a:p>
+            <a:r>
+              <a:rPr lang="de-CH" dirty="0" smtClean="0"/>
+              <a:t>FPDF</a:t>
+            </a:r>
+          </a:p>
+          <a:p>
+            <a:r>
+              <a:rPr lang="de-CH" dirty="0" err="1" smtClean="0"/>
+              <a:t>PHPMailer</a:t>
+            </a:r>
+            <a:endParaRPr lang="de-CH" dirty="0" smtClean="0"/>
+          </a:p>
+          <a:p>
+            <a:r>
+              <a:rPr lang="de-CH" dirty="0" smtClean="0"/>
+              <a:t>MySQL</a:t>
+            </a:r>
+          </a:p>
+          <a:p>
             <a:endParaRPr lang="de-CH" dirty="0" smtClean="0"/>
           </a:p>
           <a:p>
@@ -3533,7 +3547,7 @@
     </p:spTree>
     <p:extLst>
       <p:ext uri="{BB962C8B-B14F-4D97-AF65-F5344CB8AC3E}">
-        <p14:creationId xmlns:p14="http://schemas.microsoft.com/office/powerpoint/2010/main" val="1797313168"/>
+        <p14:creationId xmlns:p14="http://schemas.microsoft.com/office/powerpoint/2010/main" val="1452780404"/>
       </p:ext>
     </p:extLst>
   </p:cSld>
@@ -3544,6 +3558,328 @@
 </file>
 
 <file path=ppt/slides/slide3.xml><?xml version="1.0" encoding="utf-8"?>
+<p:sld xmlns:a="http://schemas.openxmlformats.org/drawingml/2006/main" xmlns:r="http://schemas.openxmlformats.org/officeDocument/2006/relationships" xmlns:p="http://schemas.openxmlformats.org/presentationml/2006/main">
+  <p:cSld>
+    <p:spTree>
+      <p:nvGrpSpPr>
+        <p:cNvPr id="1" name=""/>
+        <p:cNvGrpSpPr/>
+        <p:nvPr/>
+      </p:nvGrpSpPr>
+      <p:grpSpPr>
+        <a:xfrm>
+          <a:off x="0" y="0"/>
+          <a:ext cx="0" cy="0"/>
+          <a:chOff x="0" y="0"/>
+          <a:chExt cx="0" cy="0"/>
+        </a:xfrm>
+      </p:grpSpPr>
+      <p:sp>
+        <p:nvSpPr>
+          <p:cNvPr id="2" name="Titel 1"/>
+          <p:cNvSpPr>
+            <a:spLocks noGrp="1"/>
+          </p:cNvSpPr>
+          <p:nvPr>
+            <p:ph type="title"/>
+          </p:nvPr>
+        </p:nvSpPr>
+        <p:spPr/>
+        <p:txBody>
+          <a:bodyPr/>
+          <a:lstStyle/>
+          <a:p>
+            <a:r>
+              <a:rPr lang="de-CH" dirty="0" err="1" smtClean="0"/>
+              <a:t>features</a:t>
+            </a:r>
+            <a:endParaRPr lang="de-CH" dirty="0"/>
+          </a:p>
+        </p:txBody>
+      </p:sp>
+      <p:sp>
+        <p:nvSpPr>
+          <p:cNvPr id="3" name="Inhaltsplatzhalter 2"/>
+          <p:cNvSpPr>
+            <a:spLocks noGrp="1"/>
+          </p:cNvSpPr>
+          <p:nvPr>
+            <p:ph idx="1"/>
+          </p:nvPr>
+        </p:nvSpPr>
+        <p:spPr/>
+        <p:txBody>
+          <a:bodyPr/>
+          <a:lstStyle/>
+          <a:p>
+            <a:r>
+              <a:rPr lang="de-CH" dirty="0" smtClean="0"/>
+              <a:t>REST, PLZ</a:t>
+            </a:r>
+          </a:p>
+          <a:p>
+            <a:r>
+              <a:rPr lang="de-CH" dirty="0" smtClean="0"/>
+              <a:t>AJAX Möbelsuche</a:t>
+            </a:r>
+          </a:p>
+          <a:p>
+            <a:r>
+              <a:rPr lang="de-CH" dirty="0" smtClean="0"/>
+              <a:t>Admin Bereich</a:t>
+            </a:r>
+          </a:p>
+          <a:p>
+            <a:r>
+              <a:rPr lang="de-CH" dirty="0" smtClean="0"/>
+              <a:t>Email Bestätigung mit Anhang</a:t>
+            </a:r>
+          </a:p>
+          <a:p>
+            <a:r>
+              <a:rPr lang="de-CH" dirty="0" smtClean="0"/>
+              <a:t>Template Engine</a:t>
+            </a:r>
+          </a:p>
+          <a:p>
+            <a:r>
+              <a:rPr lang="de-CH" dirty="0" err="1" smtClean="0"/>
+              <a:t>Responsive</a:t>
+            </a:r>
+            <a:endParaRPr lang="de-CH" dirty="0" smtClean="0"/>
+          </a:p>
+          <a:p>
+            <a:r>
+              <a:rPr lang="de-CH" dirty="0" smtClean="0"/>
+              <a:t>HTML5 Elemente</a:t>
+            </a:r>
+          </a:p>
+          <a:p>
+            <a:r>
+              <a:rPr lang="de-CH" dirty="0" smtClean="0"/>
+              <a:t>Warenkorb in der Datenbank</a:t>
+            </a:r>
+          </a:p>
+          <a:p>
+            <a:endParaRPr lang="de-CH" dirty="0" smtClean="0"/>
+          </a:p>
+          <a:p>
+            <a:endParaRPr lang="de-CH" dirty="0"/>
+          </a:p>
+        </p:txBody>
+      </p:sp>
+    </p:spTree>
+    <p:extLst>
+      <p:ext uri="{BB962C8B-B14F-4D97-AF65-F5344CB8AC3E}">
+        <p14:creationId xmlns:p14="http://schemas.microsoft.com/office/powerpoint/2010/main" val="1083783963"/>
+      </p:ext>
+    </p:extLst>
+  </p:cSld>
+  <p:clrMapOvr>
+    <a:masterClrMapping/>
+  </p:clrMapOvr>
+</p:sld>
+</file>
+
+<file path=ppt/slides/slide4.xml><?xml version="1.0" encoding="utf-8"?>
+<p:sld xmlns:a="http://schemas.openxmlformats.org/drawingml/2006/main" xmlns:r="http://schemas.openxmlformats.org/officeDocument/2006/relationships" xmlns:p="http://schemas.openxmlformats.org/presentationml/2006/main">
+  <p:cSld>
+    <p:spTree>
+      <p:nvGrpSpPr>
+        <p:cNvPr id="1" name=""/>
+        <p:cNvGrpSpPr/>
+        <p:nvPr/>
+      </p:nvGrpSpPr>
+      <p:grpSpPr>
+        <a:xfrm>
+          <a:off x="0" y="0"/>
+          <a:ext cx="0" cy="0"/>
+          <a:chOff x="0" y="0"/>
+          <a:chExt cx="0" cy="0"/>
+        </a:xfrm>
+      </p:grpSpPr>
+      <p:sp>
+        <p:nvSpPr>
+          <p:cNvPr id="2" name="Titel 1"/>
+          <p:cNvSpPr>
+            <a:spLocks noGrp="1"/>
+          </p:cNvSpPr>
+          <p:nvPr>
+            <p:ph type="title"/>
+          </p:nvPr>
+        </p:nvSpPr>
+        <p:spPr/>
+        <p:txBody>
+          <a:bodyPr/>
+          <a:lstStyle/>
+          <a:p>
+            <a:r>
+              <a:rPr lang="de-CH" dirty="0" err="1" smtClean="0"/>
+              <a:t>teamwork</a:t>
+            </a:r>
+            <a:endParaRPr lang="de-CH" dirty="0"/>
+          </a:p>
+        </p:txBody>
+      </p:sp>
+      <p:sp>
+        <p:nvSpPr>
+          <p:cNvPr id="3" name="Inhaltsplatzhalter 2"/>
+          <p:cNvSpPr>
+            <a:spLocks noGrp="1"/>
+          </p:cNvSpPr>
+          <p:nvPr>
+            <p:ph idx="1"/>
+          </p:nvPr>
+        </p:nvSpPr>
+        <p:spPr/>
+        <p:txBody>
+          <a:bodyPr/>
+          <a:lstStyle/>
+          <a:p>
+            <a:r>
+              <a:rPr lang="de-CH" dirty="0" smtClean="0"/>
+              <a:t>Meistens zu zweit</a:t>
+            </a:r>
+          </a:p>
+          <a:p>
+            <a:r>
+              <a:rPr lang="de-CH" dirty="0" smtClean="0"/>
+              <a:t>Google </a:t>
+            </a:r>
+            <a:r>
+              <a:rPr lang="de-CH" dirty="0" err="1" smtClean="0"/>
+              <a:t>Docs</a:t>
+            </a:r>
+            <a:endParaRPr lang="de-CH" dirty="0" smtClean="0"/>
+          </a:p>
+          <a:p>
+            <a:r>
+              <a:rPr lang="de-CH" dirty="0" err="1" smtClean="0"/>
+              <a:t>git</a:t>
+            </a:r>
+            <a:endParaRPr lang="de-CH" dirty="0" smtClean="0"/>
+          </a:p>
+          <a:p>
+            <a:endParaRPr lang="de-CH" dirty="0" smtClean="0"/>
+          </a:p>
+          <a:p>
+            <a:endParaRPr lang="de-CH" dirty="0"/>
+          </a:p>
+        </p:txBody>
+      </p:sp>
+    </p:spTree>
+    <p:extLst>
+      <p:ext uri="{BB962C8B-B14F-4D97-AF65-F5344CB8AC3E}">
+        <p14:creationId xmlns:p14="http://schemas.microsoft.com/office/powerpoint/2010/main" val="158423632"/>
+      </p:ext>
+    </p:extLst>
+  </p:cSld>
+  <p:clrMapOvr>
+    <a:masterClrMapping/>
+  </p:clrMapOvr>
+</p:sld>
+</file>
+
+<file path=ppt/slides/slide5.xml><?xml version="1.0" encoding="utf-8"?>
+<p:sld xmlns:a="http://schemas.openxmlformats.org/drawingml/2006/main" xmlns:r="http://schemas.openxmlformats.org/officeDocument/2006/relationships" xmlns:p="http://schemas.openxmlformats.org/presentationml/2006/main">
+  <p:cSld>
+    <p:spTree>
+      <p:nvGrpSpPr>
+        <p:cNvPr id="1" name=""/>
+        <p:cNvGrpSpPr/>
+        <p:nvPr/>
+      </p:nvGrpSpPr>
+      <p:grpSpPr>
+        <a:xfrm>
+          <a:off x="0" y="0"/>
+          <a:ext cx="0" cy="0"/>
+          <a:chOff x="0" y="0"/>
+          <a:chExt cx="0" cy="0"/>
+        </a:xfrm>
+      </p:grpSpPr>
+      <p:sp>
+        <p:nvSpPr>
+          <p:cNvPr id="2" name="Titel 1"/>
+          <p:cNvSpPr>
+            <a:spLocks noGrp="1"/>
+          </p:cNvSpPr>
+          <p:nvPr>
+            <p:ph type="title"/>
+          </p:nvPr>
+        </p:nvSpPr>
+        <p:spPr/>
+        <p:txBody>
+          <a:bodyPr/>
+          <a:lstStyle/>
+          <a:p>
+            <a:r>
+              <a:rPr lang="de-CH" dirty="0" err="1" smtClean="0"/>
+              <a:t>lessons</a:t>
+            </a:r>
+            <a:r>
+              <a:rPr lang="de-CH" dirty="0" smtClean="0"/>
+              <a:t> </a:t>
+            </a:r>
+            <a:r>
+              <a:rPr lang="de-CH" dirty="0" err="1" smtClean="0"/>
+              <a:t>learnt</a:t>
+            </a:r>
+            <a:endParaRPr lang="de-CH" dirty="0"/>
+          </a:p>
+        </p:txBody>
+      </p:sp>
+      <p:sp>
+        <p:nvSpPr>
+          <p:cNvPr id="3" name="Inhaltsplatzhalter 2"/>
+          <p:cNvSpPr>
+            <a:spLocks noGrp="1"/>
+          </p:cNvSpPr>
+          <p:nvPr>
+            <p:ph idx="1"/>
+          </p:nvPr>
+        </p:nvSpPr>
+        <p:spPr/>
+        <p:txBody>
+          <a:bodyPr/>
+          <a:lstStyle/>
+          <a:p>
+            <a:r>
+              <a:rPr lang="de-CH" dirty="0" err="1" smtClean="0"/>
+              <a:t>Merge</a:t>
+            </a:r>
+            <a:r>
+              <a:rPr lang="de-CH" dirty="0" smtClean="0"/>
+              <a:t> Konflikte :’-(</a:t>
+            </a:r>
+          </a:p>
+          <a:p>
+            <a:r>
+              <a:rPr lang="de-CH" dirty="0" smtClean="0"/>
+              <a:t>Zeiteinteilung</a:t>
+            </a:r>
+          </a:p>
+          <a:p>
+            <a:r>
+              <a:rPr lang="de-CH" dirty="0" smtClean="0"/>
+              <a:t>IDE Unterstützung bei nicht typisierter Sprache</a:t>
+            </a:r>
+          </a:p>
+        </p:txBody>
+      </p:sp>
+    </p:spTree>
+    <p:extLst>
+      <p:ext uri="{BB962C8B-B14F-4D97-AF65-F5344CB8AC3E}">
+        <p14:creationId xmlns:p14="http://schemas.microsoft.com/office/powerpoint/2010/main" val="707191535"/>
+      </p:ext>
+    </p:extLst>
+  </p:cSld>
+  <p:clrMapOvr>
+    <a:masterClrMapping/>
+  </p:clrMapOvr>
+</p:sld>
+</file>
+
+<file path=ppt/slides/slide6.xml><?xml version="1.0" encoding="utf-8"?>
 <p:sld xmlns:a="http://schemas.openxmlformats.org/drawingml/2006/main" xmlns:r="http://schemas.openxmlformats.org/officeDocument/2006/relationships" xmlns:p="http://schemas.openxmlformats.org/presentationml/2006/main">
   <p:cSld>
     <p:spTree>
